--- a/Presentaciones/Clase05_03.03.25.pptx
+++ b/Presentaciones/Clase05_03.03.25.pptx
@@ -9,6 +9,7 @@
     <p:sldId id="267" r:id="rId3"/>
     <p:sldId id="268" r:id="rId4"/>
     <p:sldId id="269" r:id="rId5"/>
+    <p:sldId id="270" r:id="rId6"/>
   </p:sldIdLst>
   <p:sldSz cx="12192000" cy="6858000"/>
   <p:notesSz cx="6858000" cy="9144000"/>
@@ -3559,10 +3560,100 @@
           <a:chExt cx="0" cy="0"/>
         </a:xfrm>
       </p:grpSpPr>
+      <p:pic>
+        <p:nvPicPr>
+          <p:cNvPr id="3" name="Imagen 2">
+            <a:extLst>
+              <a:ext uri="{FF2B5EF4-FFF2-40B4-BE49-F238E27FC236}">
+                <a16:creationId xmlns:a16="http://schemas.microsoft.com/office/drawing/2014/main" id="{EF941A3F-7B40-5891-D124-BD2977EEC768}"/>
+              </a:ext>
+            </a:extLst>
+          </p:cNvPr>
+          <p:cNvPicPr>
+            <a:picLocks noChangeAspect="1"/>
+          </p:cNvPicPr>
+          <p:nvPr/>
+        </p:nvPicPr>
+        <p:blipFill>
+          <a:blip r:embed="rId2"/>
+          <a:stretch>
+            <a:fillRect/>
+          </a:stretch>
+        </p:blipFill>
+        <p:spPr>
+          <a:xfrm>
+            <a:off x="1508553" y="1161818"/>
+            <a:ext cx="9174893" cy="3832969"/>
+          </a:xfrm>
+          <a:prstGeom prst="rect">
+            <a:avLst/>
+          </a:prstGeom>
+        </p:spPr>
+      </p:pic>
     </p:spTree>
     <p:extLst>
       <p:ext uri="{BB962C8B-B14F-4D97-AF65-F5344CB8AC3E}">
         <p14:creationId xmlns:p14="http://schemas.microsoft.com/office/powerpoint/2010/main" val="3193741075"/>
+      </p:ext>
+    </p:extLst>
+  </p:cSld>
+  <p:clrMapOvr>
+    <a:masterClrMapping/>
+  </p:clrMapOvr>
+</p:sld>
+</file>
+
+<file path=ppt/slides/slide5.xml><?xml version="1.0" encoding="utf-8"?>
+<p:sld xmlns:a="http://schemas.openxmlformats.org/drawingml/2006/main" xmlns:r="http://schemas.openxmlformats.org/officeDocument/2006/relationships" xmlns:p="http://schemas.openxmlformats.org/presentationml/2006/main">
+  <p:cSld>
+    <p:spTree>
+      <p:nvGrpSpPr>
+        <p:cNvPr id="1" name=""/>
+        <p:cNvGrpSpPr/>
+        <p:nvPr/>
+      </p:nvGrpSpPr>
+      <p:grpSpPr>
+        <a:xfrm>
+          <a:off x="0" y="0"/>
+          <a:ext cx="0" cy="0"/>
+          <a:chOff x="0" y="0"/>
+          <a:chExt cx="0" cy="0"/>
+        </a:xfrm>
+      </p:grpSpPr>
+      <p:pic>
+        <p:nvPicPr>
+          <p:cNvPr id="3" name="Imagen 2">
+            <a:extLst>
+              <a:ext uri="{FF2B5EF4-FFF2-40B4-BE49-F238E27FC236}">
+                <a16:creationId xmlns:a16="http://schemas.microsoft.com/office/drawing/2014/main" id="{92C23C9A-0AE1-25AC-982A-1AE844F1F106}"/>
+              </a:ext>
+            </a:extLst>
+          </p:cNvPr>
+          <p:cNvPicPr>
+            <a:picLocks noChangeAspect="1"/>
+          </p:cNvPicPr>
+          <p:nvPr/>
+        </p:nvPicPr>
+        <p:blipFill>
+          <a:blip r:embed="rId2"/>
+          <a:stretch>
+            <a:fillRect/>
+          </a:stretch>
+        </p:blipFill>
+        <p:spPr>
+          <a:xfrm>
+            <a:off x="523097" y="1137918"/>
+            <a:ext cx="11145805" cy="4582164"/>
+          </a:xfrm>
+          <a:prstGeom prst="rect">
+            <a:avLst/>
+          </a:prstGeom>
+        </p:spPr>
+      </p:pic>
+    </p:spTree>
+    <p:extLst>
+      <p:ext uri="{BB962C8B-B14F-4D97-AF65-F5344CB8AC3E}">
+        <p14:creationId xmlns:p14="http://schemas.microsoft.com/office/powerpoint/2010/main" val="1366651518"/>
       </p:ext>
     </p:extLst>
   </p:cSld>
